--- a/Macroeconomics-Analytics/Macroeconomics.pptx
+++ b/Macroeconomics-Analytics/Macroeconomics.pptx
@@ -3333,7 +3333,7 @@
           <p:cNvPr id="0" name="slide1">
             <a:extLst>
               <a:ext uri="{FF2B5EF4-FFF2-40B4-BE49-F238E27FC236}">
-                <a16:creationId xmlns:a16="http://schemas.microsoft.com/office/drawing/2014/main" id="{48EEFA9C-3C0E-492C-9453-BAD47CE1CFA3}"/>
+                <a16:creationId xmlns:a16="http://schemas.microsoft.com/office/drawing/2014/main" id="{EEC387D8-83BE-4C6E-93C5-2A230E590B2D}"/>
               </a:ext>
             </a:extLst>
           </p:cNvPr>
@@ -3361,7 +3361,7 @@
           <p:cNvPr id="1" name="slide1">
             <a:extLst>
               <a:ext uri="{FF2B5EF4-FFF2-40B4-BE49-F238E27FC236}">
-                <a16:creationId xmlns:a16="http://schemas.microsoft.com/office/drawing/2014/main" id="{53B1550C-BABD-47E6-8A62-2C8F9D6475AD}"/>
+                <a16:creationId xmlns:a16="http://schemas.microsoft.com/office/drawing/2014/main" id="{A89BE880-4582-49EA-BE31-1278952C1C1A}"/>
               </a:ext>
             </a:extLst>
           </p:cNvPr>
@@ -3379,7 +3379,7 @@
           <a:p>
             <a:r>
               <a:rPr/>
-              <a:t>File creato il: 04/03/2025 10:16:14</a:t>
+              <a:t>File creato il: 04/03/2025 10:32:13</a:t>
             </a:r>
           </a:p>
         </p:txBody>
@@ -3419,7 +3419,7 @@
           <p:cNvPr descr="Inflation Map" id="2" name="slide2">
             <a:extLst>
               <a:ext uri="{FF2B5EF4-FFF2-40B4-BE49-F238E27FC236}">
-                <a16:creationId xmlns:a16="http://schemas.microsoft.com/office/drawing/2014/main" id="{01F64F61-FA31-4C8D-8368-C7C2636AA0A8}"/>
+                <a16:creationId xmlns:a16="http://schemas.microsoft.com/office/drawing/2014/main" id="{D9033EA1-70F5-4B77-9EEA-5A69C585BC26}"/>
               </a:ext>
             </a:extLst>
           </p:cNvPr>
@@ -3442,8 +3442,8 @@
         </p:blipFill>
         <p:spPr>
           <a:xfrm>
-            <a:off x="87275" y="0"/>
-            <a:ext cx="12017449" cy="6858000"/>
+            <a:off x="9424" y="0"/>
+            <a:ext cx="12173152" cy="6858000"/>
           </a:xfrm>
           <a:prstGeom prst="rect">
             <a:avLst/>
@@ -3485,7 +3485,7 @@
           <p:cNvPr descr="GDP" id="3" name="slide3">
             <a:extLst>
               <a:ext uri="{FF2B5EF4-FFF2-40B4-BE49-F238E27FC236}">
-                <a16:creationId xmlns:a16="http://schemas.microsoft.com/office/drawing/2014/main" id="{88D63F1F-52F8-4FD9-96AC-22F607CB3FB8}"/>
+                <a16:creationId xmlns:a16="http://schemas.microsoft.com/office/drawing/2014/main" id="{97C70606-6BB6-4B11-9761-12094B4168A9}"/>
               </a:ext>
             </a:extLst>
           </p:cNvPr>
@@ -3551,7 +3551,7 @@
           <p:cNvPr descr="GDP TreeMap" id="4" name="slide4">
             <a:extLst>
               <a:ext uri="{FF2B5EF4-FFF2-40B4-BE49-F238E27FC236}">
-                <a16:creationId xmlns:a16="http://schemas.microsoft.com/office/drawing/2014/main" id="{F0CA6CE6-2C82-4C10-AAC8-B7BACB7CE345}"/>
+                <a16:creationId xmlns:a16="http://schemas.microsoft.com/office/drawing/2014/main" id="{24B9DBD9-479D-4A60-AD7D-237F947A0416}"/>
               </a:ext>
             </a:extLst>
           </p:cNvPr>
@@ -3617,7 +3617,7 @@
           <p:cNvPr descr="Phillip&amp;apos;s Curve" id="5" name="slide5">
             <a:extLst>
               <a:ext uri="{FF2B5EF4-FFF2-40B4-BE49-F238E27FC236}">
-                <a16:creationId xmlns:a16="http://schemas.microsoft.com/office/drawing/2014/main" id="{D5E57436-B2AD-45BB-A2E0-E404A1AC7C8F}"/>
+                <a16:creationId xmlns:a16="http://schemas.microsoft.com/office/drawing/2014/main" id="{5064DD43-0EB9-479E-819A-75865AFC6A78}"/>
               </a:ext>
             </a:extLst>
           </p:cNvPr>
@@ -3683,7 +3683,7 @@
           <p:cNvPr descr="Inflation and Unemployment" id="6" name="slide6">
             <a:extLst>
               <a:ext uri="{FF2B5EF4-FFF2-40B4-BE49-F238E27FC236}">
-                <a16:creationId xmlns:a16="http://schemas.microsoft.com/office/drawing/2014/main" id="{B5FEF47A-3B51-4C5A-93A5-7D086203535B}"/>
+                <a16:creationId xmlns:a16="http://schemas.microsoft.com/office/drawing/2014/main" id="{12C6AFCC-1413-49EB-8B11-C0DB17D0973D}"/>
               </a:ext>
             </a:extLst>
           </p:cNvPr>
@@ -3749,7 +3749,7 @@
           <p:cNvPr descr="Dashboard 1" id="7" name="slide7">
             <a:extLst>
               <a:ext uri="{FF2B5EF4-FFF2-40B4-BE49-F238E27FC236}">
-                <a16:creationId xmlns:a16="http://schemas.microsoft.com/office/drawing/2014/main" id="{3D1046F4-520B-41D0-8EEE-6DBE51F57AB8}"/>
+                <a16:creationId xmlns:a16="http://schemas.microsoft.com/office/drawing/2014/main" id="{2022FB07-46AC-431C-951B-99FFD277063F}"/>
               </a:ext>
             </a:extLst>
           </p:cNvPr>
@@ -3815,7 +3815,7 @@
           <p:cNvPr descr="Dashboard 2" id="8" name="slide8">
             <a:extLst>
               <a:ext uri="{FF2B5EF4-FFF2-40B4-BE49-F238E27FC236}">
-                <a16:creationId xmlns:a16="http://schemas.microsoft.com/office/drawing/2014/main" id="{1A906D0E-F9D5-427C-9D56-C27FA7B11461}"/>
+                <a16:creationId xmlns:a16="http://schemas.microsoft.com/office/drawing/2014/main" id="{B8AD9771-C416-4038-9643-73D6DE9570D4}"/>
               </a:ext>
             </a:extLst>
           </p:cNvPr>
